--- a/Pengenalan Anaconda Dan VS Code Jupyter Notebook.pptx
+++ b/Pengenalan Anaconda Dan VS Code Jupyter Notebook.pptx
@@ -6809,7 +6809,7 @@
         <p:spPr>
           <a:xfrm>
             <a:off x="326390" y="3475355"/>
-            <a:ext cx="10044430" cy="706755"/>
+            <a:ext cx="9282430" cy="706755"/>
           </a:xfrm>
           <a:prstGeom prst="rect">
             <a:avLst/>
@@ -6843,7 +6843,7 @@
                 <a:cs typeface="Calibri" panose="020F0502020204030204" charset="0"/>
                 <a:sym typeface="+mn-ea"/>
               </a:rPr>
-              <a:t>untuk masuk kenvironment tersebut</a:t>
+              <a:t>untuk masuk ke environment tersebut</a:t>
             </a:r>
             <a:endParaRPr lang="en-US" sz="2000">
               <a:latin typeface="Calibri" panose="020F0502020204030204" charset="0"/>
@@ -7295,7 +7295,7 @@
             </a:pPr>
             <a:r>
               <a:rPr lang="en-US" sz="2000"/>
-              <a:t>inis requirements.txt</a:t>
+              <a:t>list requirements.txt</a:t>
             </a:r>
             <a:endParaRPr lang="en-US" sz="2000"/>
           </a:p>
